--- a/Slides/Lesson 13 HW  STR Slice.pptx
+++ b/Slides/Lesson 13 HW  STR Slice.pptx
@@ -273,6 +273,35 @@
     </p:ext>
   </p:extLst>
 </p:presentation>
+</file>
+
+<file path=ppt/changesInfos/changesInfo1.xml><?xml version="1.0" encoding="utf-8"?>
+<pc:chgInfo xmlns:a="http://schemas.openxmlformats.org/drawingml/2006/main" xmlns:r="http://schemas.openxmlformats.org/officeDocument/2006/relationships" xmlns:ac="http://schemas.microsoft.com/office/drawing/2013/main/command" xmlns:pc="http://schemas.microsoft.com/office/powerpoint/2013/main/command">
+  <pc:docChgLst>
+    <pc:chgData name="1.0 Programming" userId="d9944a5f9a1f43e9" providerId="LiveId" clId="{1C701E73-8C87-41D9-82D9-49CAB6228409}"/>
+    <pc:docChg chg="undo modSld">
+      <pc:chgData name="1.0 Programming" userId="d9944a5f9a1f43e9" providerId="LiveId" clId="{1C701E73-8C87-41D9-82D9-49CAB6228409}" dt="2026-02-16T07:46:32.996" v="4" actId="20577"/>
+      <pc:docMkLst>
+        <pc:docMk/>
+      </pc:docMkLst>
+      <pc:sldChg chg="modSp">
+        <pc:chgData name="1.0 Programming" userId="d9944a5f9a1f43e9" providerId="LiveId" clId="{1C701E73-8C87-41D9-82D9-49CAB6228409}" dt="2026-02-16T07:46:32.996" v="4" actId="20577"/>
+        <pc:sldMkLst>
+          <pc:docMk/>
+          <pc:sldMk cId="0" sldId="259"/>
+        </pc:sldMkLst>
+        <pc:spChg chg="mod">
+          <ac:chgData name="1.0 Programming" userId="d9944a5f9a1f43e9" providerId="LiveId" clId="{1C701E73-8C87-41D9-82D9-49CAB6228409}" dt="2026-02-16T07:46:32.996" v="4" actId="20577"/>
+          <ac:spMkLst>
+            <pc:docMk/>
+            <pc:sldMk cId="0" sldId="259"/>
+            <ac:spMk id="73" creationId="{00000000-0000-0000-0000-000000000000}"/>
+          </ac:spMkLst>
+        </pc:spChg>
+      </pc:sldChg>
+    </pc:docChg>
+  </pc:docChgLst>
+</pc:chgInfo>
 </file>
 
 <file path=ppt/notesMasters/notesMaster1.xml><?xml version="1.0" encoding="utf-8"?>
@@ -1057,7 +1086,7 @@
         </p:nvSpPr>
         <p:spPr>
           <a:xfrm>
-            <a:off x="381300" y="685800"/>
+            <a:off x="381000" y="685800"/>
             <a:ext cx="6096000" cy="3429000"/>
           </a:xfrm>
           <a:custGeom>
@@ -6545,7 +6574,7 @@
               <a:buNone/>
             </a:pPr>
             <a:r>
-              <a:rPr lang="en" sz="1100">
+              <a:rPr lang="en" sz="1100" dirty="0">
                 <a:solidFill>
                   <a:schemeClr val="dk1"/>
                 </a:solidFill>
@@ -6553,7 +6582,7 @@
               <a:t>Write a program that takes a credit card number as input (a string of 16 digits) and returns a masked version where only the last four digits are visible. The rest should be replaced with </a:t>
             </a:r>
             <a:r>
-              <a:rPr lang="en" sz="1100">
+              <a:rPr lang="en" sz="1100" dirty="0">
                 <a:solidFill>
                   <a:srgbClr val="188038"/>
                 </a:solidFill>
@@ -6565,7 +6594,7 @@
               <a:t>*</a:t>
             </a:r>
             <a:r>
-              <a:rPr lang="en" sz="1100">
+              <a:rPr lang="en" sz="1100" dirty="0">
                 <a:solidFill>
                   <a:schemeClr val="dk1"/>
                 </a:solidFill>
@@ -6573,7 +6602,7 @@
               <a:t>. If the input is not 16 digits, print </a:t>
             </a:r>
             <a:r>
-              <a:rPr lang="en" sz="1100">
+              <a:rPr lang="en" sz="1100" dirty="0">
                 <a:solidFill>
                   <a:srgbClr val="188038"/>
                 </a:solidFill>
@@ -6585,14 +6614,14 @@
               <a:t>"Invalid card number"</a:t>
             </a:r>
             <a:r>
-              <a:rPr lang="en" sz="1100">
+              <a:rPr lang="en" sz="1100" dirty="0">
                 <a:solidFill>
                   <a:schemeClr val="dk1"/>
                 </a:solidFill>
               </a:rPr>
               <a:t>.</a:t>
             </a:r>
-            <a:endParaRPr sz="1100">
+            <a:endParaRPr sz="1100" dirty="0">
               <a:solidFill>
                 <a:schemeClr val="dk1"/>
               </a:solidFill>
@@ -6608,7 +6637,7 @@
               </a:spcAft>
               <a:buNone/>
             </a:pPr>
-            <a:endParaRPr sz="1100">
+            <a:endParaRPr sz="1100" dirty="0">
               <a:solidFill>
                 <a:schemeClr val="dk1"/>
               </a:solidFill>
@@ -6625,14 +6654,14 @@
               <a:buNone/>
             </a:pPr>
             <a:r>
-              <a:rPr lang="en" sz="1100">
+              <a:rPr lang="en" sz="1100" dirty="0">
                 <a:solidFill>
                   <a:schemeClr val="dk1"/>
                 </a:solidFill>
               </a:rPr>
               <a:t>INPUT: 1234567812345678</a:t>
             </a:r>
-            <a:endParaRPr sz="1100">
+            <a:endParaRPr sz="1100" dirty="0">
               <a:solidFill>
                 <a:schemeClr val="dk1"/>
               </a:solidFill>
@@ -6649,14 +6678,14 @@
               <a:buNone/>
             </a:pPr>
             <a:r>
-              <a:rPr lang="en" sz="1100">
+              <a:rPr lang="en" sz="1100" dirty="0">
                 <a:solidFill>
                   <a:schemeClr val="dk1"/>
                 </a:solidFill>
               </a:rPr>
               <a:t>OUTPUT: ************5678</a:t>
             </a:r>
-            <a:endParaRPr sz="1100">
+            <a:endParaRPr sz="1100" dirty="0">
               <a:solidFill>
                 <a:schemeClr val="dk1"/>
               </a:solidFill>
@@ -6766,15 +6795,31 @@
               <a:buNone/>
             </a:pPr>
             <a:r>
-              <a:rPr lang="en" sz="1100">
+              <a:rPr lang="en" sz="1100" dirty="0">
                 <a:solidFill>
                   <a:schemeClr val="dk1"/>
                 </a:solidFill>
               </a:rPr>
-              <a:t>Write a program that takes a list of words and a letter. Find all words that contain the letter at least twice and store them in a new list. If no words match the criteria, print </a:t>
+              <a:t>Write a program that takes a list of words and a letter. Find all words that contain the letter at least </a:t>
             </a:r>
             <a:r>
-              <a:rPr lang="en" sz="1100">
+              <a:rPr lang="en" sz="1100" dirty="0">
+                <a:solidFill>
+                  <a:srgbClr val="FF0000"/>
+                </a:solidFill>
+              </a:rPr>
+              <a:t>twice</a:t>
+            </a:r>
+            <a:r>
+              <a:rPr lang="en" sz="1100" dirty="0">
+                <a:solidFill>
+                  <a:schemeClr val="dk1"/>
+                </a:solidFill>
+              </a:rPr>
+              <a:t> and store them in a new list. If no words match the criteria, print </a:t>
+            </a:r>
+            <a:r>
+              <a:rPr lang="en" sz="1100" dirty="0">
                 <a:solidFill>
                   <a:srgbClr val="188038"/>
                 </a:solidFill>
@@ -6786,14 +6831,14 @@
               <a:t>"No words found"</a:t>
             </a:r>
             <a:r>
-              <a:rPr lang="en" sz="1100">
+              <a:rPr lang="en" sz="1100" dirty="0">
                 <a:solidFill>
                   <a:schemeClr val="dk1"/>
                 </a:solidFill>
               </a:rPr>
               <a:t>.</a:t>
             </a:r>
-            <a:endParaRPr sz="1100">
+            <a:endParaRPr sz="1100" dirty="0">
               <a:solidFill>
                 <a:schemeClr val="dk1"/>
               </a:solidFill>
@@ -6809,7 +6854,7 @@
               </a:spcAft>
               <a:buNone/>
             </a:pPr>
-            <a:endParaRPr sz="1100">
+            <a:endParaRPr sz="1100" dirty="0">
               <a:solidFill>
                 <a:schemeClr val="dk1"/>
               </a:solidFill>
@@ -6826,14 +6871,14 @@
               <a:buNone/>
             </a:pPr>
             <a:r>
-              <a:rPr lang="en" sz="1100">
+              <a:rPr lang="en" sz="1100" dirty="0">
                 <a:solidFill>
                   <a:schemeClr val="dk1"/>
                 </a:solidFill>
               </a:rPr>
               <a:t>words = ["banana", "apple", "cherry", "grape"] </a:t>
             </a:r>
-            <a:endParaRPr sz="1100">
+            <a:endParaRPr sz="1100" dirty="0">
               <a:solidFill>
                 <a:schemeClr val="dk1"/>
               </a:solidFill>
@@ -6850,14 +6895,14 @@
               <a:buNone/>
             </a:pPr>
             <a:r>
-              <a:rPr lang="en" sz="1100">
+              <a:rPr lang="en" sz="1100" dirty="0">
                 <a:solidFill>
                   <a:schemeClr val="dk1"/>
                 </a:solidFill>
               </a:rPr>
               <a:t>letter = "a"</a:t>
             </a:r>
-            <a:endParaRPr sz="1100">
+            <a:endParaRPr sz="1100" dirty="0">
               <a:solidFill>
                 <a:schemeClr val="dk1"/>
               </a:solidFill>
@@ -6873,7 +6918,7 @@
               </a:spcAft>
               <a:buNone/>
             </a:pPr>
-            <a:endParaRPr sz="1100">
+            <a:endParaRPr sz="1100" dirty="0">
               <a:solidFill>
                 <a:schemeClr val="dk1"/>
               </a:solidFill>
@@ -6890,14 +6935,22 @@
               <a:buNone/>
             </a:pPr>
             <a:r>
+              <a:rPr lang="en" sz="1100" dirty="0">
+                <a:solidFill>
+                  <a:schemeClr val="dk1"/>
+                </a:solidFill>
+              </a:rPr>
+              <a:t>OUTPUT: [</a:t>
+            </a:r>
+            <a:r>
               <a:rPr lang="en" sz="1100">
                 <a:solidFill>
                   <a:schemeClr val="dk1"/>
                 </a:solidFill>
               </a:rPr>
-              <a:t>OUTPUT: ['banana', 'apple']</a:t>
+              <a:t>'banana']</a:t>
             </a:r>
-            <a:endParaRPr sz="1100">
+            <a:endParaRPr sz="1100" dirty="0">
               <a:solidFill>
                 <a:schemeClr val="dk1"/>
               </a:solidFill>
@@ -6918,7 +6971,7 @@
               <a:buFont typeface="Arial"/>
               <a:buNone/>
             </a:pPr>
-            <a:endParaRPr sz="1100">
+            <a:endParaRPr sz="1100" dirty="0">
               <a:solidFill>
                 <a:schemeClr val="dk1"/>
               </a:solidFill>
@@ -6934,7 +6987,7 @@
               </a:spcAft>
               <a:buNone/>
             </a:pPr>
-            <a:endParaRPr sz="1100">
+            <a:endParaRPr sz="1100" dirty="0">
               <a:solidFill>
                 <a:schemeClr val="dk1"/>
               </a:solidFill>
